--- a/template.pptx
+++ b/template.pptx
@@ -2,13 +2,13 @@
 <file path=ppt/presentation.xml><?xml version="1.0" encoding="utf-8"?>
 <p:presentation xmlns:a="http://schemas.openxmlformats.org/drawingml/2006/main" xmlns:p="http://schemas.openxmlformats.org/presentationml/2006/main" xmlns:r="http://schemas.openxmlformats.org/officeDocument/2006/relationships" autoCompressPictures="0" saveSubsetFonts="1">
   <p:sldMasterIdLst>
-    <p:sldMasterId id="2147483660" r:id="rId3"/>
+    <p:sldMasterId id="2147483660" r:id="rId1"/>
   </p:sldMasterIdLst>
   <p:sldIdLst>
-    <p:sldId id="256" r:id="rId4"/>
-    <p:sldId id="257" r:id="rId5"/>
-    <p:sldId id="258" r:id="rId6"/>
-    <p:sldId id="259" r:id="rId7"/>
+    <p:sldId id="256" r:id="rId2"/>
+    <p:sldId id="257" r:id="rId3"/>
+    <p:sldId id="258" r:id="rId4"/>
+    <p:sldId id="259" r:id="rId5"/>
   </p:sldIdLst>
   <p:sldSz cx="12192000" cy="6858000"/>
   <p:notesSz cx="6858000" cy="9144000"/>
@@ -160,10 +160,9 @@
           </a:lstStyle>
           <a:p>
             <a:r>
-              <a:rPr lang="en-US"/>
+              <a:rPr lang="en-US" dirty="0"/>
               <a:t>Click to edit Master title style</a:t>
             </a:r>
-            <a:endParaRPr lang="en-US" dirty="0"/>
           </a:p>
         </p:txBody>
       </p:sp>
@@ -228,10 +227,9 @@
           </a:lstStyle>
           <a:p>
             <a:r>
-              <a:rPr lang="en-US"/>
+              <a:rPr lang="en-US" dirty="0"/>
               <a:t>Click to edit Master subtitle style</a:t>
             </a:r>
-            <a:endParaRPr lang="en-US" dirty="0"/>
           </a:p>
         </p:txBody>
       </p:sp>
@@ -252,7 +250,7 @@
           <a:p>
             <a:fld id="{975902A8-B4D8-5C4C-990B-0D5714F6EFB0}" type="datetimeFigureOut">
               <a:rPr lang="en-US" smtClean="0"/>
-              <a:t>8/5/24</a:t>
+              <a:t>8/9/24</a:t>
             </a:fld>
             <a:endParaRPr lang="en-US"/>
           </a:p>
@@ -5869,7 +5867,7 @@
           <a:p>
             <a:fld id="{975902A8-B4D8-5C4C-990B-0D5714F6EFB0}" type="datetimeFigureOut">
               <a:rPr lang="en-US" smtClean="0"/>
-              <a:t>8/5/24</a:t>
+              <a:t>8/9/24</a:t>
             </a:fld>
             <a:endParaRPr lang="en-US"/>
           </a:p>
@@ -6627,7 +6625,7 @@
           <a:p>
             <a:fld id="{975902A8-B4D8-5C4C-990B-0D5714F6EFB0}" type="datetimeFigureOut">
               <a:rPr lang="en-US" smtClean="0"/>
-              <a:t>8/5/24</a:t>
+              <a:t>8/9/24</a:t>
             </a:fld>
             <a:endParaRPr lang="en-US"/>
           </a:p>
@@ -7426,7 +7424,7 @@
           <a:p>
             <a:fld id="{975902A8-B4D8-5C4C-990B-0D5714F6EFB0}" type="datetimeFigureOut">
               <a:rPr lang="en-US" smtClean="0"/>
-              <a:t>8/5/24</a:t>
+              <a:t>8/9/24</a:t>
             </a:fld>
             <a:endParaRPr lang="en-US"/>
           </a:p>
@@ -8388,7 +8386,7 @@
           <a:p>
             <a:fld id="{975902A8-B4D8-5C4C-990B-0D5714F6EFB0}" type="datetimeFigureOut">
               <a:rPr lang="en-US" smtClean="0"/>
-              <a:t>8/5/24</a:t>
+              <a:t>8/9/24</a:t>
             </a:fld>
             <a:endParaRPr lang="en-US"/>
           </a:p>
@@ -9249,7 +9247,7 @@
           <a:p>
             <a:fld id="{975902A8-B4D8-5C4C-990B-0D5714F6EFB0}" type="datetimeFigureOut">
               <a:rPr lang="en-US" smtClean="0"/>
-              <a:t>8/5/24</a:t>
+              <a:t>8/9/24</a:t>
             </a:fld>
             <a:endParaRPr lang="en-US"/>
           </a:p>
@@ -10224,7 +10222,7 @@
           <a:p>
             <a:fld id="{975902A8-B4D8-5C4C-990B-0D5714F6EFB0}" type="datetimeFigureOut">
               <a:rPr lang="en-US" smtClean="0"/>
-              <a:t>8/5/24</a:t>
+              <a:t>8/9/24</a:t>
             </a:fld>
             <a:endParaRPr lang="en-US"/>
           </a:p>
@@ -10920,7 +10918,7 @@
           <a:p>
             <a:fld id="{975902A8-B4D8-5C4C-990B-0D5714F6EFB0}" type="datetimeFigureOut">
               <a:rPr lang="en-US" smtClean="0"/>
-              <a:t>8/5/24</a:t>
+              <a:t>8/9/24</a:t>
             </a:fld>
             <a:endParaRPr lang="en-US"/>
           </a:p>
@@ -11593,7 +11591,7 @@
           <a:p>
             <a:fld id="{975902A8-B4D8-5C4C-990B-0D5714F6EFB0}" type="datetimeFigureOut">
               <a:rPr lang="en-US" smtClean="0"/>
-              <a:t>8/5/24</a:t>
+              <a:t>8/9/24</a:t>
             </a:fld>
             <a:endParaRPr lang="en-US"/>
           </a:p>
@@ -12448,7 +12446,7 @@
           <a:p>
             <a:fld id="{975902A8-B4D8-5C4C-990B-0D5714F6EFB0}" type="datetimeFigureOut">
               <a:rPr lang="en-US" smtClean="0"/>
-              <a:t>8/5/24</a:t>
+              <a:t>8/9/24</a:t>
             </a:fld>
             <a:endParaRPr lang="en-US"/>
           </a:p>
@@ -13283,7 +13281,7 @@
           <a:p>
             <a:fld id="{975902A8-B4D8-5C4C-990B-0D5714F6EFB0}" type="datetimeFigureOut">
               <a:rPr lang="en-US" smtClean="0"/>
-              <a:t>8/5/24</a:t>
+              <a:t>8/9/24</a:t>
             </a:fld>
             <a:endParaRPr lang="en-US"/>
           </a:p>
@@ -14051,10 +14049,9 @@
           <a:lstStyle/>
           <a:p>
             <a:r>
-              <a:rPr lang="en-US"/>
+              <a:rPr dirty="0" lang="en-US"/>
               <a:t>Click to edit Master title style</a:t>
             </a:r>
-            <a:endParaRPr dirty="0" lang="en-US"/>
           </a:p>
         </p:txBody>
       </p:sp>
@@ -14085,38 +14082,37 @@
           <a:p>
             <a:pPr lvl="0"/>
             <a:r>
-              <a:rPr lang="en-US"/>
+              <a:rPr dirty="0" lang="en-US"/>
               <a:t>Click to edit Master text styles</a:t>
             </a:r>
           </a:p>
           <a:p>
             <a:pPr lvl="1"/>
             <a:r>
-              <a:rPr lang="en-US"/>
+              <a:rPr dirty="0" lang="en-US"/>
               <a:t>Second level</a:t>
             </a:r>
           </a:p>
           <a:p>
             <a:pPr lvl="2"/>
             <a:r>
-              <a:rPr lang="en-US"/>
+              <a:rPr dirty="0" lang="en-US"/>
               <a:t>Third level</a:t>
             </a:r>
           </a:p>
           <a:p>
             <a:pPr lvl="3"/>
             <a:r>
-              <a:rPr lang="en-US"/>
+              <a:rPr dirty="0" lang="en-US"/>
               <a:t>Fourth level</a:t>
             </a:r>
           </a:p>
           <a:p>
             <a:pPr lvl="4"/>
             <a:r>
-              <a:rPr lang="en-US"/>
+              <a:rPr dirty="0" lang="en-US"/>
               <a:t>Fifth level</a:t>
             </a:r>
-            <a:endParaRPr dirty="0" lang="en-US"/>
           </a:p>
         </p:txBody>
       </p:sp>
@@ -14155,7 +14151,7 @@
           <a:p>
             <a:fld id="{975902A8-B4D8-5C4C-990B-0D5714F6EFB0}" type="datetimeFigureOut">
               <a:rPr lang="en-US" smtClean="0"/>
-              <a:t>8/5/24</a:t>
+              <a:t>8/9/24</a:t>
             </a:fld>
             <a:endParaRPr lang="en-US"/>
           </a:p>
@@ -14624,7 +14620,7 @@
             </a:pPr>
             <a:r>
               <a:rPr/>
-              <a:t>August 5, 2024</a:t>
+              <a:t>August 9, 2024</a:t>
             </a:r>
           </a:p>
         </p:txBody>

--- a/template.pptx
+++ b/template.pptx
@@ -14581,21 +14581,6 @@
             <a:r>
               <a:rPr/>
               <a:t>Brian C. Helsel</a:t>
-            </a:r>
-            <a:br/>
-            <a:r>
-              <a:rPr/>
-              <a:t>Lauren T. Ptomey</a:t>
-            </a:r>
-            <a:br/>
-            <a:r>
-              <a:rPr/>
-              <a:t>Amy Bodde</a:t>
-            </a:r>
-            <a:br/>
-            <a:r>
-              <a:rPr/>
-              <a:t>Joseph R. Sherman</a:t>
             </a:r>
           </a:p>
         </p:txBody>

--- a/template.pptx
+++ b/template.pptx
@@ -9,6 +9,7 @@
     <p:sldId id="257" r:id="rId3"/>
     <p:sldId id="258" r:id="rId4"/>
     <p:sldId id="259" r:id="rId5"/>
+    <p:sldId id="260" r:id="rId6"/>
   </p:sldIdLst>
   <p:sldSz cx="12192000" cy="6858000"/>
   <p:notesSz cx="6858000" cy="9144000"/>
@@ -14605,7 +14606,7 @@
             </a:pPr>
             <a:r>
               <a:rPr/>
-              <a:t>August 9, 2024</a:t>
+              <a:t>May 15, 2025</a:t>
             </a:r>
           </a:p>
         </p:txBody>
@@ -14914,6 +14915,127 @@
                 <a:latin typeface="Courier"/>
               </a:rPr>
               <a:t>[1] 3</a:t>
+            </a:r>
+          </a:p>
+        </p:txBody>
+      </p:sp>
+    </p:spTree>
+  </p:cSld>
+</p:sld>
+</file>
+
+<file path=ppt/slides/slide5.xml><?xml version="1.0" encoding="utf-8"?>
+<p:sld xmlns:a="http://schemas.openxmlformats.org/drawingml/2006/main" xmlns:r="http://schemas.openxmlformats.org/officeDocument/2006/relationships" xmlns:p="http://schemas.openxmlformats.org/presentationml/2006/main">
+  <p:cSld>
+    <p:spTree>
+      <p:nvGrpSpPr>
+        <p:cNvPr id="1" name=""/>
+        <p:cNvGrpSpPr/>
+        <p:nvPr/>
+      </p:nvGrpSpPr>
+      <p:grpSpPr>
+        <a:xfrm>
+          <a:off x="0" y="0"/>
+          <a:ext cx="0" cy="0"/>
+          <a:chOff x="0" y="0"/>
+          <a:chExt cx="0" cy="0"/>
+        </a:xfrm>
+      </p:grpSpPr>
+      <p:sp>
+        <p:nvSpPr>
+          <p:cNvPr id="2" name="Title 1"/>
+          <p:cNvSpPr>
+            <a:spLocks noGrp="1"/>
+          </p:cNvSpPr>
+          <p:nvPr>
+            <p:ph type="title"/>
+          </p:nvPr>
+        </p:nvSpPr>
+        <p:spPr/>
+        <p:txBody>
+          <a:bodyPr/>
+          <a:lstStyle/>
+          <a:p>
+            <a:pPr lvl="0" indent="0" marL="0">
+              <a:buNone/>
+            </a:pPr>
+            <a:r>
+              <a:rPr/>
+              <a:t>PowerPoint Format</a:t>
+            </a:r>
+          </a:p>
+        </p:txBody>
+      </p:sp>
+      <p:sp>
+        <p:nvSpPr>
+          <p:cNvPr id="3" name="Content Placeholder 2"/>
+          <p:cNvSpPr>
+            <a:spLocks noGrp="1"/>
+          </p:cNvSpPr>
+          <p:nvPr>
+            <p:ph idx="1"/>
+          </p:nvPr>
+        </p:nvSpPr>
+        <p:spPr/>
+        <p:txBody>
+          <a:bodyPr/>
+          <a:lstStyle/>
+          <a:p>
+            <a:pPr lvl="0" indent="0" marL="0">
+              <a:buNone/>
+            </a:pPr>
+            <a:r>
+              <a:rPr sz="2000" dirty="0"/>
+              <a:t>Lua filters can be used to change the XML of the PowerPoint .pptx file when rendering with Pandoc. The lua filter is automatically included when rendering to .pptx.</a:t>
+            </a:r>
+          </a:p>
+          <a:p>
+            <a:pPr lvl="0"/>
+            <a:r>
+              <a:rPr sz="2000" dirty="0">
+                <a:solidFill>
+                  <a:srgbClr val="438381"/>
+                </a:solidFill>
+              </a:rPr>
+              <a:t>Change Color</a:t>
+            </a:r>
+          </a:p>
+          <a:p>
+            <a:pPr lvl="0"/>
+            <a:r>
+              <a:rPr b="1" sz="2000" dirty="0">
+                <a:solidFill>
+                  <a:srgbClr val="3862AE"/>
+                </a:solidFill>
+              </a:rPr>
+              <a:t>Change Color with Bold Text</a:t>
+            </a:r>
+          </a:p>
+          <a:p>
+            <a:pPr lvl="0"/>
+            <a:r>
+              <a:rPr i="1" sz="1600" dirty="0"/>
+              <a:t>Italic with Smaller Font Size</a:t>
+            </a:r>
+          </a:p>
+          <a:p>
+            <a:pPr lvl="0"/>
+            <a:r>
+              <a:rPr b="1" u="sng" sz="2000" dirty="0">
+                <a:solidFill>
+                  <a:srgbClr val="512C7D"/>
+                </a:solidFill>
+              </a:rPr>
+              <a:t>Bold and Underline</a:t>
+            </a:r>
+          </a:p>
+          <a:p>
+            <a:pPr lvl="0" indent="0" marL="0">
+              <a:buNone/>
+            </a:pPr>
+            <a:r>
+              <a:rPr sz="2000" dirty="0"/>
+              <a:t>Bold and Italic can be used as a class (e.g., .bold, .italic) or set to any attribute other than “false” or “0” (lower case or quotation marks not necessary)</a:t>
             </a:r>
           </a:p>
         </p:txBody>

--- a/template.pptx
+++ b/template.pptx
@@ -14580,8 +14580,35 @@
             <a:br/>
             <a:br/>
             <a:r>
+              <a:rPr b="1"/>
+              <a:t>Brian C. Helsel, PhD</a:t>
+            </a:r>
+            <a:br/>
+            <a:r>
+              <a:rPr b="1"/>
+              <a:t/>
+            </a:r>
+            <a:r>
               <a:rPr/>
-              <a:t>Brian C. Helsel</a:t>
+              <a:t>Assistant Professor</a:t>
+            </a:r>
+            <a:br/>
+            <a:r>
+              <a:rPr b="1"/>
+              <a:t/>
+            </a:r>
+            <a:r>
+              <a:rPr/>
+              <a:t>KU Alzheimer’s Disease Research Center</a:t>
+            </a:r>
+            <a:br/>
+            <a:r>
+              <a:rPr b="1"/>
+              <a:t/>
+            </a:r>
+            <a:r>
+              <a:rPr/>
+              <a:t>Neurology | University of Kansas Medical Center</a:t>
             </a:r>
           </a:p>
         </p:txBody>
@@ -14606,7 +14633,7 @@
             </a:pPr>
             <a:r>
               <a:rPr/>
-              <a:t>May 15, 2025</a:t>
+              <a:t>May 21, 2025</a:t>
             </a:r>
           </a:p>
         </p:txBody>
